--- a/Slide Decks/Thursday Morning.pptx
+++ b/Slide Decks/Thursday Morning.pptx
@@ -24,8 +24,8 @@
     <p:sldId id="308" r:id="rId15"/>
     <p:sldId id="310" r:id="rId16"/>
     <p:sldId id="311" r:id="rId17"/>
-    <p:sldId id="288" r:id="rId18"/>
-    <p:sldId id="267" r:id="rId19"/>
+    <p:sldId id="267" r:id="rId18"/>
+    <p:sldId id="288" r:id="rId19"/>
     <p:sldId id="309" r:id="rId20"/>
     <p:sldId id="296" r:id="rId21"/>
     <p:sldId id="298" r:id="rId22"/>
@@ -231,7 +231,7 @@
           <a:p>
             <a:fld id="{BE4262BE-4078-B540-850A-3A5FF7C14BFA}" type="datetimeFigureOut">
               <a:rPr lang="en-US" smtClean="0"/>
-              <a:t>5/19/22</a:t>
+              <a:t>5/19/2022</a:t>
             </a:fld>
             <a:endParaRPr lang="en-US"/>
           </a:p>
@@ -1089,7 +1089,7 @@
           <a:p>
             <a:fld id="{8858C042-55F6-4044-A4DE-B4FCA7C0AD86}" type="datetimeFigureOut">
               <a:rPr lang="en-US" smtClean="0"/>
-              <a:t>5/19/22</a:t>
+              <a:t>5/19/2022</a:t>
             </a:fld>
             <a:endParaRPr lang="en-US" dirty="0"/>
           </a:p>
@@ -1651,7 +1651,7 @@
           <a:p>
             <a:fld id="{8858C042-55F6-4044-A4DE-B4FCA7C0AD86}" type="datetimeFigureOut">
               <a:rPr lang="en-US" smtClean="0"/>
-              <a:t>5/19/22</a:t>
+              <a:t>5/19/2022</a:t>
             </a:fld>
             <a:endParaRPr lang="en-US" dirty="0"/>
           </a:p>
@@ -2184,7 +2184,7 @@
           <a:p>
             <a:fld id="{8858C042-55F6-4044-A4DE-B4FCA7C0AD86}" type="datetimeFigureOut">
               <a:rPr lang="en-US" smtClean="0"/>
-              <a:t>5/19/22</a:t>
+              <a:t>5/19/2022</a:t>
             </a:fld>
             <a:endParaRPr lang="en-US" dirty="0"/>
           </a:p>
@@ -2371,7 +2371,7 @@
           <a:p>
             <a:fld id="{8858C042-55F6-4044-A4DE-B4FCA7C0AD86}" type="datetimeFigureOut">
               <a:rPr lang="en-US" smtClean="0"/>
-              <a:t>5/19/22</a:t>
+              <a:t>5/19/2022</a:t>
             </a:fld>
             <a:endParaRPr lang="en-US" dirty="0"/>
           </a:p>
@@ -2784,7 +2784,7 @@
           <a:p>
             <a:fld id="{8858C042-55F6-4044-A4DE-B4FCA7C0AD86}" type="datetimeFigureOut">
               <a:rPr lang="en-US" smtClean="0"/>
-              <a:t>5/19/22</a:t>
+              <a:t>5/19/2022</a:t>
             </a:fld>
             <a:endParaRPr lang="en-US" dirty="0"/>
           </a:p>
@@ -3059,7 +3059,7 @@
           <a:p>
             <a:fld id="{8858C042-55F6-4044-A4DE-B4FCA7C0AD86}" type="datetimeFigureOut">
               <a:rPr lang="en-US" smtClean="0"/>
-              <a:t>5/19/22</a:t>
+              <a:t>5/19/2022</a:t>
             </a:fld>
             <a:endParaRPr lang="en-US" dirty="0"/>
           </a:p>
@@ -3799,7 +3799,7 @@
           <a:p>
             <a:fld id="{8858C042-55F6-4044-A4DE-B4FCA7C0AD86}" type="datetimeFigureOut">
               <a:rPr lang="en-US" smtClean="0"/>
-              <a:t>5/19/22</a:t>
+              <a:t>5/19/2022</a:t>
             </a:fld>
             <a:endParaRPr lang="en-US"/>
           </a:p>
@@ -5751,8 +5751,8 @@
           </a:p>
         </p:txBody>
       </p:sp>
-      <mc:AlternateContent xmlns:mc="http://schemas.openxmlformats.org/markup-compatibility/2006" xmlns:a14="http://schemas.microsoft.com/office/drawing/2010/main">
-        <mc:Choice Requires="a14">
+      <mc:AlternateContent xmlns:mc="http://schemas.openxmlformats.org/markup-compatibility/2006">
+        <mc:Choice xmlns:a14="http://schemas.microsoft.com/office/drawing/2010/main" Requires="a14">
           <p:sp>
             <p:nvSpPr>
               <p:cNvPr id="3" name="Content Placeholder 2">
@@ -5822,7 +5822,7 @@
                           <a:latin typeface="Cambria Math" panose="02040503050406030204" pitchFamily="18" charset="0"/>
                           <a:ea typeface="Cambria Math" panose="02040503050406030204" pitchFamily="18" charset="0"/>
                         </a:rPr>
-                        <m:t>=</m:t>
+                        <m:t>=0.969</m:t>
                       </m:r>
                       <m:sSub>
                         <m:sSubPr>
@@ -5857,7 +5857,7 @@
                           <a:latin typeface="Cambria Math" panose="02040503050406030204" pitchFamily="18" charset="0"/>
                           <a:ea typeface="Cambria Math" panose="02040503050406030204" pitchFamily="18" charset="0"/>
                         </a:rPr>
-                        <m:t>−0.969</m:t>
+                        <m:t>−0.201</m:t>
                       </m:r>
                       <m:sSub>
                         <m:sSubPr>
@@ -5884,41 +5884,6 @@
                               <a:ea typeface="Cambria Math" panose="02040503050406030204" pitchFamily="18" charset="0"/>
                             </a:rPr>
                             <m:t>2</m:t>
-                          </m:r>
-                        </m:sub>
-                      </m:sSub>
-                      <m:r>
-                        <a:rPr lang="en-US" b="0" i="1" smtClean="0">
-                          <a:latin typeface="Cambria Math" panose="02040503050406030204" pitchFamily="18" charset="0"/>
-                          <a:ea typeface="Cambria Math" panose="02040503050406030204" pitchFamily="18" charset="0"/>
-                        </a:rPr>
-                        <m:t>−0.201</m:t>
-                      </m:r>
-                      <m:sSub>
-                        <m:sSubPr>
-                          <m:ctrlPr>
-                            <a:rPr lang="en-US" b="0" i="1" smtClean="0">
-                              <a:latin typeface="Cambria Math" panose="02040503050406030204" pitchFamily="18" charset="0"/>
-                              <a:ea typeface="Cambria Math" panose="02040503050406030204" pitchFamily="18" charset="0"/>
-                            </a:rPr>
-                          </m:ctrlPr>
-                        </m:sSubPr>
-                        <m:e>
-                          <m:r>
-                            <a:rPr lang="en-US" b="0" i="1" smtClean="0">
-                              <a:latin typeface="Cambria Math" panose="02040503050406030204" pitchFamily="18" charset="0"/>
-                              <a:ea typeface="Cambria Math" panose="02040503050406030204" pitchFamily="18" charset="0"/>
-                            </a:rPr>
-                            <m:t>𝑋</m:t>
-                          </m:r>
-                        </m:e>
-                        <m:sub>
-                          <m:r>
-                            <a:rPr lang="en-US" b="0" i="1" smtClean="0">
-                              <a:latin typeface="Cambria Math" panose="02040503050406030204" pitchFamily="18" charset="0"/>
-                              <a:ea typeface="Cambria Math" panose="02040503050406030204" pitchFamily="18" charset="0"/>
-                            </a:rPr>
-                            <m:t>3</m:t>
                           </m:r>
                         </m:sub>
                       </m:sSub>
@@ -6217,7 +6182,7 @@
             </p:txBody>
           </p:sp>
         </mc:Choice>
-        <mc:Fallback xmlns="">
+        <mc:Fallback>
           <p:sp>
             <p:nvSpPr>
               <p:cNvPr id="3" name="Content Placeholder 2">
@@ -6238,7 +6203,7 @@
               <a:blipFill>
                 <a:blip r:embed="rId2"/>
                 <a:stretch>
-                  <a:fillRect l="-1086" t="-2624"/>
+                  <a:fillRect l="-1043" t="-2521"/>
                 </a:stretch>
               </a:blipFill>
             </p:spPr>
@@ -6562,10 +6527,10 @@
       </p:grpSpPr>
       <p:sp>
         <p:nvSpPr>
-          <p:cNvPr id="2" name="Title 1">
-            <a:extLst>
-              <a:ext uri="{FF2B5EF4-FFF2-40B4-BE49-F238E27FC236}">
-                <a16:creationId xmlns:a16="http://schemas.microsoft.com/office/drawing/2014/main" id="{D01C6C68-6623-A840-8B04-C0861F81A123}"/>
+          <p:cNvPr id="4" name="Title 3">
+            <a:extLst>
+              <a:ext uri="{FF2B5EF4-FFF2-40B4-BE49-F238E27FC236}">
+                <a16:creationId xmlns:a16="http://schemas.microsoft.com/office/drawing/2014/main" id="{B0E4CF41-24DE-8020-5333-484ECDCB1BF3}"/>
               </a:ext>
             </a:extLst>
           </p:cNvPr>
@@ -6578,25 +6543,26 @@
         </p:nvSpPr>
         <p:spPr/>
         <p:txBody>
-          <a:bodyPr>
-            <a:normAutofit/>
-          </a:bodyPr>
+          <a:bodyPr/>
           <a:lstStyle/>
           <a:p>
             <a:r>
               <a:rPr lang="en-US" dirty="0"/>
-              <a:t>Cusp Example								</a:t>
-            </a:r>
-            <a:endParaRPr lang="en-US" sz="2000" dirty="0"/>
-          </a:p>
-        </p:txBody>
-      </p:sp>
-      <p:sp>
-        <p:nvSpPr>
-          <p:cNvPr id="3" name="Content Placeholder 2">
-            <a:extLst>
-              <a:ext uri="{FF2B5EF4-FFF2-40B4-BE49-F238E27FC236}">
-                <a16:creationId xmlns:a16="http://schemas.microsoft.com/office/drawing/2014/main" id="{FF9D2C37-AD80-8541-9E7C-917AA4211D86}"/>
+              <a:t>Break							</a:t>
+            </a:r>
+            <a:r>
+              <a:rPr lang="en-US" sz="2000" dirty="0"/>
+              <a:t>(10:15)</a:t>
+            </a:r>
+          </a:p>
+        </p:txBody>
+      </p:sp>
+      <p:sp>
+        <p:nvSpPr>
+          <p:cNvPr id="5" name="Text Placeholder 4">
+            <a:extLst>
+              <a:ext uri="{FF2B5EF4-FFF2-40B4-BE49-F238E27FC236}">
+                <a16:creationId xmlns:a16="http://schemas.microsoft.com/office/drawing/2014/main" id="{0E4DA1EC-6AFB-4F0A-4CD5-B399F83F7340}"/>
               </a:ext>
             </a:extLst>
           </p:cNvPr>
@@ -6604,76 +6570,25 @@
             <a:spLocks noGrp="1"/>
           </p:cNvSpPr>
           <p:nvPr>
-            <p:ph idx="1"/>
+            <p:ph type="body" idx="1"/>
           </p:nvPr>
         </p:nvSpPr>
         <p:spPr/>
         <p:txBody>
-          <a:bodyPr>
-            <a:normAutofit/>
-          </a:bodyPr>
+          <a:bodyPr/>
           <a:lstStyle/>
           <a:p>
             <a:r>
               <a:rPr lang="en-US" dirty="0"/>
-              <a:t>NDSCusp1</a:t>
-            </a:r>
-          </a:p>
-          <a:p>
-            <a:pPr lvl="1"/>
-            <a:r>
-              <a:rPr lang="en-US" dirty="0"/>
-              <a:t>van der Maas et al. (2003)</a:t>
-            </a:r>
-          </a:p>
-          <a:p>
-            <a:r>
-              <a:rPr lang="en-US" dirty="0"/>
-              <a:t>Data:</a:t>
-            </a:r>
-          </a:p>
-          <a:p>
-            <a:pPr lvl="1"/>
-            <a:r>
-              <a:rPr lang="en-US" dirty="0"/>
-              <a:t>Outcome: Attitude toward what government should do</a:t>
-            </a:r>
-          </a:p>
-          <a:p>
-            <a:pPr lvl="1"/>
-            <a:r>
-              <a:rPr lang="en-US" dirty="0"/>
-              <a:t>Asymmetry: Political orientation</a:t>
-            </a:r>
-          </a:p>
-          <a:p>
-            <a:pPr lvl="1"/>
-            <a:r>
-              <a:rPr lang="en-US" dirty="0"/>
-              <a:t>Bifurcation: Political involvement (+ political orientation)</a:t>
-            </a:r>
-          </a:p>
-          <a:p>
-            <a:r>
-              <a:rPr lang="en-US" dirty="0"/>
-              <a:t>Look at it with and without “starters”</a:t>
-            </a:r>
-          </a:p>
-          <a:p>
-            <a:r>
-              <a:rPr lang="en-US" dirty="0"/>
-              <a:t>Their approach, although I respect van der Mass a lot, is a bit iffy…</a:t>
-            </a:r>
-          </a:p>
-          <a:p>
-            <a:endParaRPr lang="en-US" dirty="0"/>
+              <a:t>We’ll start back up at 10:30</a:t>
+            </a:r>
           </a:p>
         </p:txBody>
       </p:sp>
     </p:spTree>
     <p:extLst>
       <p:ext uri="{BB962C8B-B14F-4D97-AF65-F5344CB8AC3E}">
-        <p14:creationId xmlns:p14="http://schemas.microsoft.com/office/powerpoint/2010/main" val="1737849164"/>
+        <p14:creationId xmlns:p14="http://schemas.microsoft.com/office/powerpoint/2010/main" val="3817401096"/>
       </p:ext>
     </p:extLst>
   </p:cSld>
@@ -6702,10 +6617,10 @@
       </p:grpSpPr>
       <p:sp>
         <p:nvSpPr>
-          <p:cNvPr id="4" name="Title 3">
-            <a:extLst>
-              <a:ext uri="{FF2B5EF4-FFF2-40B4-BE49-F238E27FC236}">
-                <a16:creationId xmlns:a16="http://schemas.microsoft.com/office/drawing/2014/main" id="{B0E4CF41-24DE-8020-5333-484ECDCB1BF3}"/>
+          <p:cNvPr id="2" name="Title 1">
+            <a:extLst>
+              <a:ext uri="{FF2B5EF4-FFF2-40B4-BE49-F238E27FC236}">
+                <a16:creationId xmlns:a16="http://schemas.microsoft.com/office/drawing/2014/main" id="{D01C6C68-6623-A840-8B04-C0861F81A123}"/>
               </a:ext>
             </a:extLst>
           </p:cNvPr>
@@ -6718,26 +6633,25 @@
         </p:nvSpPr>
         <p:spPr/>
         <p:txBody>
-          <a:bodyPr/>
+          <a:bodyPr>
+            <a:normAutofit/>
+          </a:bodyPr>
           <a:lstStyle/>
           <a:p>
             <a:r>
               <a:rPr lang="en-US" dirty="0"/>
-              <a:t>Break							</a:t>
-            </a:r>
-            <a:r>
-              <a:rPr lang="en-US" sz="2000" dirty="0"/>
-              <a:t>(9:45)</a:t>
-            </a:r>
-          </a:p>
-        </p:txBody>
-      </p:sp>
-      <p:sp>
-        <p:nvSpPr>
-          <p:cNvPr id="5" name="Text Placeholder 4">
-            <a:extLst>
-              <a:ext uri="{FF2B5EF4-FFF2-40B4-BE49-F238E27FC236}">
-                <a16:creationId xmlns:a16="http://schemas.microsoft.com/office/drawing/2014/main" id="{0E4DA1EC-6AFB-4F0A-4CD5-B399F83F7340}"/>
+              <a:t>Cusp Example								</a:t>
+            </a:r>
+            <a:endParaRPr lang="en-US" sz="2000" dirty="0"/>
+          </a:p>
+        </p:txBody>
+      </p:sp>
+      <p:sp>
+        <p:nvSpPr>
+          <p:cNvPr id="3" name="Content Placeholder 2">
+            <a:extLst>
+              <a:ext uri="{FF2B5EF4-FFF2-40B4-BE49-F238E27FC236}">
+                <a16:creationId xmlns:a16="http://schemas.microsoft.com/office/drawing/2014/main" id="{FF9D2C37-AD80-8541-9E7C-917AA4211D86}"/>
               </a:ext>
             </a:extLst>
           </p:cNvPr>
@@ -6745,25 +6659,76 @@
             <a:spLocks noGrp="1"/>
           </p:cNvSpPr>
           <p:nvPr>
-            <p:ph type="body" idx="1"/>
+            <p:ph idx="1"/>
           </p:nvPr>
         </p:nvSpPr>
         <p:spPr/>
         <p:txBody>
-          <a:bodyPr/>
+          <a:bodyPr>
+            <a:normAutofit/>
+          </a:bodyPr>
           <a:lstStyle/>
           <a:p>
             <a:r>
               <a:rPr lang="en-US" dirty="0"/>
-              <a:t>We’ll start back up at 10:00</a:t>
-            </a:r>
+              <a:t>NDSCusp1</a:t>
+            </a:r>
+          </a:p>
+          <a:p>
+            <a:pPr lvl="1"/>
+            <a:r>
+              <a:rPr lang="en-US" dirty="0"/>
+              <a:t>van der Maas et al. (2003)</a:t>
+            </a:r>
+          </a:p>
+          <a:p>
+            <a:r>
+              <a:rPr lang="en-US" dirty="0"/>
+              <a:t>Data:</a:t>
+            </a:r>
+          </a:p>
+          <a:p>
+            <a:pPr lvl="1"/>
+            <a:r>
+              <a:rPr lang="en-US" dirty="0"/>
+              <a:t>Outcome: Attitude toward what government should do</a:t>
+            </a:r>
+          </a:p>
+          <a:p>
+            <a:pPr lvl="1"/>
+            <a:r>
+              <a:rPr lang="en-US" dirty="0"/>
+              <a:t>Asymmetry: Political orientation</a:t>
+            </a:r>
+          </a:p>
+          <a:p>
+            <a:pPr lvl="1"/>
+            <a:r>
+              <a:rPr lang="en-US" dirty="0"/>
+              <a:t>Bifurcation: Political involvement (+ political orientation)</a:t>
+            </a:r>
+          </a:p>
+          <a:p>
+            <a:r>
+              <a:rPr lang="en-US" dirty="0"/>
+              <a:t>Look at it with and without “starters”</a:t>
+            </a:r>
+          </a:p>
+          <a:p>
+            <a:r>
+              <a:rPr lang="en-US" dirty="0"/>
+              <a:t>Their approach, although I respect van der Mass a lot, is a bit iffy…</a:t>
+            </a:r>
+          </a:p>
+          <a:p>
+            <a:endParaRPr lang="en-US" dirty="0"/>
           </a:p>
         </p:txBody>
       </p:sp>
     </p:spTree>
     <p:extLst>
       <p:ext uri="{BB962C8B-B14F-4D97-AF65-F5344CB8AC3E}">
-        <p14:creationId xmlns:p14="http://schemas.microsoft.com/office/powerpoint/2010/main" val="3817401096"/>
+        <p14:creationId xmlns:p14="http://schemas.microsoft.com/office/powerpoint/2010/main" val="1737849164"/>
       </p:ext>
     </p:extLst>
   </p:cSld>
